--- a/reference/Week 10.pptx
+++ b/reference/Week 10.pptx
@@ -118,7 +118,7 @@
 <file path=ppt/revisionInfo.xml><?xml version="1.0" encoding="utf-8"?>
 <p1510:revInfo xmlns:a="http://schemas.openxmlformats.org/drawingml/2006/main" xmlns:r="http://schemas.openxmlformats.org/officeDocument/2006/relationships" xmlns:p1510="http://schemas.microsoft.com/office/powerpoint/2015/10/main">
   <p1510:revLst>
-    <p1510:client id="{4DB8EA06-275E-4E7A-93E3-7700BE4723AF}" v="1" dt="2023-02-26T21:05:43.481"/>
+    <p1510:client id="{4DB8EA06-275E-4E7A-93E3-7700BE4723AF}" v="4" dt="2023-03-05T22:13:03.517"/>
   </p1510:revLst>
 </p1510:revInfo>
 </file>
@@ -127,13 +127,13 @@
 <pc:chgInfo xmlns:a="http://schemas.openxmlformats.org/drawingml/2006/main" xmlns:r="http://schemas.openxmlformats.org/officeDocument/2006/relationships" xmlns:ac="http://schemas.microsoft.com/office/drawing/2013/main/command" xmlns:pc="http://schemas.microsoft.com/office/powerpoint/2013/main/command">
   <pc:docChgLst>
     <pc:chgData name="Vince McKeown" userId="31f1b572cc8f689e" providerId="LiveId" clId="{4DB8EA06-275E-4E7A-93E3-7700BE4723AF}"/>
-    <pc:docChg chg="delSld modSld">
-      <pc:chgData name="Vince McKeown" userId="31f1b572cc8f689e" providerId="LiveId" clId="{4DB8EA06-275E-4E7A-93E3-7700BE4723AF}" dt="2023-02-26T21:09:29.046" v="106" actId="20577"/>
+    <pc:docChg chg="undo custSel delSld modSld">
+      <pc:chgData name="Vince McKeown" userId="31f1b572cc8f689e" providerId="LiveId" clId="{4DB8EA06-275E-4E7A-93E3-7700BE4723AF}" dt="2023-03-05T22:14:53.755" v="269" actId="20577"/>
       <pc:docMkLst>
         <pc:docMk/>
       </pc:docMkLst>
       <pc:sldChg chg="modSp mod">
-        <pc:chgData name="Vince McKeown" userId="31f1b572cc8f689e" providerId="LiveId" clId="{4DB8EA06-275E-4E7A-93E3-7700BE4723AF}" dt="2023-02-26T21:09:29.046" v="106" actId="20577"/>
+        <pc:chgData name="Vince McKeown" userId="31f1b572cc8f689e" providerId="LiveId" clId="{4DB8EA06-275E-4E7A-93E3-7700BE4723AF}" dt="2023-03-05T22:13:42.918" v="148" actId="20577"/>
         <pc:sldMkLst>
           <pc:docMk/>
           <pc:sldMk cId="4214349629" sldId="256"/>
@@ -147,15 +147,15 @@
           </ac:spMkLst>
         </pc:spChg>
         <pc:spChg chg="mod">
-          <ac:chgData name="Vince McKeown" userId="31f1b572cc8f689e" providerId="LiveId" clId="{4DB8EA06-275E-4E7A-93E3-7700BE4723AF}" dt="2023-02-26T21:05:31.401" v="4" actId="20577"/>
+          <ac:chgData name="Vince McKeown" userId="31f1b572cc8f689e" providerId="LiveId" clId="{4DB8EA06-275E-4E7A-93E3-7700BE4723AF}" dt="2023-03-05T22:13:42.918" v="148" actId="20577"/>
           <ac:spMkLst>
             <pc:docMk/>
             <pc:sldMk cId="4214349629" sldId="256"/>
             <ac:spMk id="3" creationId="{00000000-0000-0000-0000-000000000000}"/>
           </ac:spMkLst>
         </pc:spChg>
-        <pc:graphicFrameChg chg="mod">
-          <ac:chgData name="Vince McKeown" userId="31f1b572cc8f689e" providerId="LiveId" clId="{4DB8EA06-275E-4E7A-93E3-7700BE4723AF}" dt="2023-02-26T21:05:43.481" v="5" actId="207"/>
+        <pc:graphicFrameChg chg="mod modGraphic">
+          <ac:chgData name="Vince McKeown" userId="31f1b572cc8f689e" providerId="LiveId" clId="{4DB8EA06-275E-4E7A-93E3-7700BE4723AF}" dt="2023-03-05T22:13:03.517" v="143" actId="207"/>
           <ac:graphicFrameMkLst>
             <pc:docMk/>
             <pc:sldMk cId="4214349629" sldId="256"/>
@@ -170,37 +170,53 @@
           <pc:sldMk cId="2293101035" sldId="262"/>
         </pc:sldMkLst>
       </pc:sldChg>
-      <pc:sldChg chg="modSp mod">
-        <pc:chgData name="Vince McKeown" userId="31f1b572cc8f689e" providerId="LiveId" clId="{4DB8EA06-275E-4E7A-93E3-7700BE4723AF}" dt="2023-02-26T21:06:35.145" v="62" actId="20577"/>
+      <pc:sldChg chg="addSp modSp mod">
+        <pc:chgData name="Vince McKeown" userId="31f1b572cc8f689e" providerId="LiveId" clId="{4DB8EA06-275E-4E7A-93E3-7700BE4723AF}" dt="2023-03-05T22:12:45.892" v="138" actId="1076"/>
         <pc:sldMkLst>
           <pc:docMk/>
           <pc:sldMk cId="444516671" sldId="265"/>
         </pc:sldMkLst>
         <pc:spChg chg="mod">
-          <ac:chgData name="Vince McKeown" userId="31f1b572cc8f689e" providerId="LiveId" clId="{4DB8EA06-275E-4E7A-93E3-7700BE4723AF}" dt="2023-02-26T21:06:35.145" v="62" actId="20577"/>
+          <ac:chgData name="Vince McKeown" userId="31f1b572cc8f689e" providerId="LiveId" clId="{4DB8EA06-275E-4E7A-93E3-7700BE4723AF}" dt="2023-03-05T22:09:34.970" v="135" actId="20577"/>
           <ac:spMkLst>
             <pc:docMk/>
             <pc:sldMk cId="444516671" sldId="265"/>
             <ac:spMk id="3" creationId="{00000000-0000-0000-0000-000000000000}"/>
           </ac:spMkLst>
         </pc:spChg>
+        <pc:picChg chg="add mod">
+          <ac:chgData name="Vince McKeown" userId="31f1b572cc8f689e" providerId="LiveId" clId="{4DB8EA06-275E-4E7A-93E3-7700BE4723AF}" dt="2023-03-05T22:12:45.892" v="138" actId="1076"/>
+          <ac:picMkLst>
+            <pc:docMk/>
+            <pc:sldMk cId="444516671" sldId="265"/>
+            <ac:picMk id="5" creationId="{9C7B0301-A9EA-3B66-FDCD-A02FA6859835}"/>
+          </ac:picMkLst>
+        </pc:picChg>
       </pc:sldChg>
-      <pc:sldChg chg="addSp modSp mod">
-        <pc:chgData name="Vince McKeown" userId="31f1b572cc8f689e" providerId="LiveId" clId="{4DB8EA06-275E-4E7A-93E3-7700BE4723AF}" dt="2023-02-26T21:08:46.322" v="103" actId="1076"/>
+      <pc:sldChg chg="addSp delSp modSp mod">
+        <pc:chgData name="Vince McKeown" userId="31f1b572cc8f689e" providerId="LiveId" clId="{4DB8EA06-275E-4E7A-93E3-7700BE4723AF}" dt="2023-03-05T22:14:41.023" v="240" actId="20577"/>
         <pc:sldMkLst>
           <pc:docMk/>
           <pc:sldMk cId="323257871" sldId="266"/>
         </pc:sldMkLst>
         <pc:spChg chg="mod">
-          <ac:chgData name="Vince McKeown" userId="31f1b572cc8f689e" providerId="LiveId" clId="{4DB8EA06-275E-4E7A-93E3-7700BE4723AF}" dt="2023-02-26T21:07:07.253" v="100" actId="20577"/>
+          <ac:chgData name="Vince McKeown" userId="31f1b572cc8f689e" providerId="LiveId" clId="{4DB8EA06-275E-4E7A-93E3-7700BE4723AF}" dt="2023-03-05T22:14:16.048" v="161" actId="20577"/>
+          <ac:spMkLst>
+            <pc:docMk/>
+            <pc:sldMk cId="323257871" sldId="266"/>
+            <ac:spMk id="2" creationId="{1D091167-2890-D953-3BE9-B33C93DA1E1E}"/>
+          </ac:spMkLst>
+        </pc:spChg>
+        <pc:spChg chg="mod">
+          <ac:chgData name="Vince McKeown" userId="31f1b572cc8f689e" providerId="LiveId" clId="{4DB8EA06-275E-4E7A-93E3-7700BE4723AF}" dt="2023-03-05T22:14:41.023" v="240" actId="20577"/>
           <ac:spMkLst>
             <pc:docMk/>
             <pc:sldMk cId="323257871" sldId="266"/>
             <ac:spMk id="3" creationId="{322571E8-7E1C-6FF2-3C93-DEEDD3EE6B70}"/>
           </ac:spMkLst>
         </pc:spChg>
-        <pc:picChg chg="add mod">
-          <ac:chgData name="Vince McKeown" userId="31f1b572cc8f689e" providerId="LiveId" clId="{4DB8EA06-275E-4E7A-93E3-7700BE4723AF}" dt="2023-02-26T21:08:46.322" v="103" actId="1076"/>
+        <pc:picChg chg="add del mod">
+          <ac:chgData name="Vince McKeown" userId="31f1b572cc8f689e" providerId="LiveId" clId="{4DB8EA06-275E-4E7A-93E3-7700BE4723AF}" dt="2023-03-05T22:14:27.303" v="192" actId="478"/>
           <ac:picMkLst>
             <pc:docMk/>
             <pc:sldMk cId="323257871" sldId="266"/>
@@ -216,13 +232,13 @@
         </pc:sldMkLst>
       </pc:sldChg>
       <pc:sldChg chg="modSp mod">
-        <pc:chgData name="Vince McKeown" userId="31f1b572cc8f689e" providerId="LiveId" clId="{4DB8EA06-275E-4E7A-93E3-7700BE4723AF}" dt="2023-02-26T21:07:01.112" v="92" actId="20577"/>
+        <pc:chgData name="Vince McKeown" userId="31f1b572cc8f689e" providerId="LiveId" clId="{4DB8EA06-275E-4E7A-93E3-7700BE4723AF}" dt="2023-03-05T22:14:53.755" v="269" actId="20577"/>
         <pc:sldMkLst>
           <pc:docMk/>
           <pc:sldMk cId="314917720" sldId="268"/>
         </pc:sldMkLst>
         <pc:spChg chg="mod">
-          <ac:chgData name="Vince McKeown" userId="31f1b572cc8f689e" providerId="LiveId" clId="{4DB8EA06-275E-4E7A-93E3-7700BE4723AF}" dt="2023-02-26T21:07:01.112" v="92" actId="20577"/>
+          <ac:chgData name="Vince McKeown" userId="31f1b572cc8f689e" providerId="LiveId" clId="{4DB8EA06-275E-4E7A-93E3-7700BE4723AF}" dt="2023-03-05T22:14:53.755" v="269" actId="20577"/>
           <ac:spMkLst>
             <pc:docMk/>
             <pc:sldMk cId="314917720" sldId="268"/>
@@ -1584,7 +1600,11 @@
     </dgm:pt>
     <dgm:pt modelId="{1E68D8DE-9C3A-4FF9-8AA6-20119D249386}">
       <dgm:prSet phldrT="[Text]"/>
-      <dgm:spPr/>
+      <dgm:spPr>
+        <a:solidFill>
+          <a:schemeClr val="accent4"/>
+        </a:solidFill>
+      </dgm:spPr>
       <dgm:t>
         <a:bodyPr/>
         <a:lstStyle/>
@@ -2969,12 +2989,7 @@
           <a:avLst/>
         </a:prstGeom>
         <a:solidFill>
-          <a:schemeClr val="accent1">
-            <a:hueOff val="0"/>
-            <a:satOff val="0"/>
-            <a:lumOff val="0"/>
-            <a:alphaOff val="0"/>
-          </a:schemeClr>
+          <a:schemeClr val="accent4"/>
         </a:solidFill>
         <a:ln w="15875" cap="rnd" cmpd="sng" algn="ctr">
           <a:solidFill>
@@ -4928,7 +4943,7 @@
           <a:p>
             <a:fld id="{4710969A-8FFC-4E3F-8A8A-4D4AF92BD055}" type="datetimeFigureOut">
               <a:rPr lang="en-US" smtClean="0"/>
-              <a:t>2/26/2023</a:t>
+              <a:t>3/5/2023</a:t>
             </a:fld>
             <a:endParaRPr lang="en-US"/>
           </a:p>
@@ -5266,7 +5281,7 @@
           <a:p>
             <a:fld id="{4710969A-8FFC-4E3F-8A8A-4D4AF92BD055}" type="datetimeFigureOut">
               <a:rPr lang="en-US" smtClean="0"/>
-              <a:t>2/26/2023</a:t>
+              <a:t>3/5/2023</a:t>
             </a:fld>
             <a:endParaRPr lang="en-US"/>
           </a:p>
@@ -5667,7 +5682,7 @@
           <a:p>
             <a:fld id="{4710969A-8FFC-4E3F-8A8A-4D4AF92BD055}" type="datetimeFigureOut">
               <a:rPr lang="en-US" smtClean="0"/>
-              <a:t>2/26/2023</a:t>
+              <a:t>3/5/2023</a:t>
             </a:fld>
             <a:endParaRPr lang="en-US"/>
           </a:p>
@@ -6003,7 +6018,7 @@
           <a:p>
             <a:fld id="{4710969A-8FFC-4E3F-8A8A-4D4AF92BD055}" type="datetimeFigureOut">
               <a:rPr lang="en-US" smtClean="0"/>
-              <a:t>2/26/2023</a:t>
+              <a:t>3/5/2023</a:t>
             </a:fld>
             <a:endParaRPr lang="en-US"/>
           </a:p>
@@ -6323,7 +6338,7 @@
           <a:p>
             <a:fld id="{4710969A-8FFC-4E3F-8A8A-4D4AF92BD055}" type="datetimeFigureOut">
               <a:rPr lang="en-US" smtClean="0"/>
-              <a:t>2/26/2023</a:t>
+              <a:t>3/5/2023</a:t>
             </a:fld>
             <a:endParaRPr lang="en-US"/>
           </a:p>
@@ -6719,7 +6734,7 @@
           <a:p>
             <a:fld id="{4710969A-8FFC-4E3F-8A8A-4D4AF92BD055}" type="datetimeFigureOut">
               <a:rPr lang="en-US" smtClean="0"/>
-              <a:t>2/26/2023</a:t>
+              <a:t>3/5/2023</a:t>
             </a:fld>
             <a:endParaRPr lang="en-US"/>
           </a:p>
@@ -6976,7 +6991,7 @@
           <a:p>
             <a:fld id="{4710969A-8FFC-4E3F-8A8A-4D4AF92BD055}" type="datetimeFigureOut">
               <a:rPr lang="en-US" smtClean="0"/>
-              <a:t>2/26/2023</a:t>
+              <a:t>3/5/2023</a:t>
             </a:fld>
             <a:endParaRPr lang="en-US"/>
           </a:p>
@@ -7238,7 +7253,7 @@
           <a:p>
             <a:fld id="{4710969A-8FFC-4E3F-8A8A-4D4AF92BD055}" type="datetimeFigureOut">
               <a:rPr lang="en-US" smtClean="0"/>
-              <a:t>2/26/2023</a:t>
+              <a:t>3/5/2023</a:t>
             </a:fld>
             <a:endParaRPr lang="en-US"/>
           </a:p>
@@ -7500,7 +7515,7 @@
           <a:p>
             <a:fld id="{4710969A-8FFC-4E3F-8A8A-4D4AF92BD055}" type="datetimeFigureOut">
               <a:rPr lang="en-US" smtClean="0"/>
-              <a:t>2/26/2023</a:t>
+              <a:t>3/5/2023</a:t>
             </a:fld>
             <a:endParaRPr lang="en-US"/>
           </a:p>
@@ -7829,7 +7844,7 @@
           <a:p>
             <a:fld id="{4710969A-8FFC-4E3F-8A8A-4D4AF92BD055}" type="datetimeFigureOut">
               <a:rPr lang="en-US" smtClean="0"/>
-              <a:t>2/26/2023</a:t>
+              <a:t>3/5/2023</a:t>
             </a:fld>
             <a:endParaRPr lang="en-US"/>
           </a:p>
@@ -8152,7 +8167,7 @@
           <a:p>
             <a:fld id="{4710969A-8FFC-4E3F-8A8A-4D4AF92BD055}" type="datetimeFigureOut">
               <a:rPr lang="en-US" smtClean="0"/>
-              <a:t>2/26/2023</a:t>
+              <a:t>3/5/2023</a:t>
             </a:fld>
             <a:endParaRPr lang="en-US"/>
           </a:p>
@@ -8609,7 +8624,7 @@
           <a:p>
             <a:fld id="{4710969A-8FFC-4E3F-8A8A-4D4AF92BD055}" type="datetimeFigureOut">
               <a:rPr lang="en-US" smtClean="0"/>
-              <a:t>2/26/2023</a:t>
+              <a:t>3/5/2023</a:t>
             </a:fld>
             <a:endParaRPr lang="en-US"/>
           </a:p>
@@ -8814,7 +8829,7 @@
           <a:p>
             <a:fld id="{4710969A-8FFC-4E3F-8A8A-4D4AF92BD055}" type="datetimeFigureOut">
               <a:rPr lang="en-US" smtClean="0"/>
-              <a:t>2/26/2023</a:t>
+              <a:t>3/5/2023</a:t>
             </a:fld>
             <a:endParaRPr lang="en-US"/>
           </a:p>
@@ -8991,7 +9006,7 @@
           <a:p>
             <a:fld id="{4710969A-8FFC-4E3F-8A8A-4D4AF92BD055}" type="datetimeFigureOut">
               <a:rPr lang="en-US" smtClean="0"/>
-              <a:t>2/26/2023</a:t>
+              <a:t>3/5/2023</a:t>
             </a:fld>
             <a:endParaRPr lang="en-US"/>
           </a:p>
@@ -9324,7 +9339,7 @@
           <a:p>
             <a:fld id="{4710969A-8FFC-4E3F-8A8A-4D4AF92BD055}" type="datetimeFigureOut">
               <a:rPr lang="en-US" smtClean="0"/>
-              <a:t>2/26/2023</a:t>
+              <a:t>3/5/2023</a:t>
             </a:fld>
             <a:endParaRPr lang="en-US"/>
           </a:p>
@@ -9669,7 +9684,7 @@
           <a:p>
             <a:fld id="{4710969A-8FFC-4E3F-8A8A-4D4AF92BD055}" type="datetimeFigureOut">
               <a:rPr lang="en-US" smtClean="0"/>
-              <a:t>2/26/2023</a:t>
+              <a:t>3/5/2023</a:t>
             </a:fld>
             <a:endParaRPr lang="en-US"/>
           </a:p>
@@ -11786,7 +11801,7 @@
           <a:p>
             <a:fld id="{4710969A-8FFC-4E3F-8A8A-4D4AF92BD055}" type="datetimeFigureOut">
               <a:rPr lang="en-US" smtClean="0"/>
-              <a:t>2/26/2023</a:t>
+              <a:t>3/5/2023</a:t>
             </a:fld>
             <a:endParaRPr lang="en-US"/>
           </a:p>
@@ -12362,7 +12377,7 @@
                   </a:schemeClr>
                 </a:solidFill>
               </a:rPr>
-              <a:t>Pitch Date:  12/18/2022							Update 2/26/2023</a:t>
+              <a:t>Pitch Date:  12/18/2022							Update 3/5/2023</a:t>
             </a:r>
           </a:p>
           <a:p>
@@ -12374,7 +12389,7 @@
                   </a:schemeClr>
                 </a:solidFill>
               </a:rPr>
-              <a:t>Release Date:  4/9/2023							178 Commits (+4)</a:t>
+              <a:t>Release Date:  4/9/2023							186 Commits (+6)</a:t>
             </a:r>
           </a:p>
           <a:p>
@@ -12529,7 +12544,7 @@
           <p:nvPr>
             <p:extLst>
               <p:ext uri="{D42A27DB-BD31-4B8C-83A1-F6EECF244321}">
-                <p14:modId xmlns:p14="http://schemas.microsoft.com/office/powerpoint/2010/main" val="3801136733"/>
+                <p14:modId xmlns:p14="http://schemas.microsoft.com/office/powerpoint/2010/main" val="3746343406"/>
               </p:ext>
             </p:extLst>
           </p:nvPr>
@@ -12597,7 +12612,7 @@
           <a:p>
             <a:r>
               <a:rPr lang="en-US" dirty="0"/>
-              <a:t>Tylor Allison</a:t>
+              <a:t>Vince McKeown</a:t>
             </a:r>
           </a:p>
         </p:txBody>
@@ -12625,7 +12640,18 @@
           <a:p>
             <a:r>
               <a:rPr lang="en-US" dirty="0"/>
-              <a:t>Bush art</a:t>
+              <a:t>Coded random </a:t>
+            </a:r>
+            <a:r>
+              <a:rPr lang="en-US" dirty="0" err="1"/>
+              <a:t>leafs</a:t>
+            </a:r>
+            <a:endParaRPr lang="en-US" dirty="0"/>
+          </a:p>
+          <a:p>
+            <a:r>
+              <a:rPr lang="en-US" dirty="0"/>
+              <a:t>Added side views for the Lich</a:t>
             </a:r>
           </a:p>
           <a:p>
@@ -12636,36 +12662,6 @@
           </a:p>
         </p:txBody>
       </p:sp>
-      <p:pic>
-        <p:nvPicPr>
-          <p:cNvPr id="5" name="Picture 4">
-            <a:extLst>
-              <a:ext uri="{FF2B5EF4-FFF2-40B4-BE49-F238E27FC236}">
-                <a16:creationId xmlns:a16="http://schemas.microsoft.com/office/drawing/2014/main" id="{E447D617-5102-00F5-0444-E45886D1EE26}"/>
-              </a:ext>
-            </a:extLst>
-          </p:cNvPr>
-          <p:cNvPicPr>
-            <a:picLocks noChangeAspect="1"/>
-          </p:cNvPicPr>
-          <p:nvPr/>
-        </p:nvPicPr>
-        <p:blipFill>
-          <a:blip r:embed="rId2"/>
-          <a:stretch>
-            <a:fillRect/>
-          </a:stretch>
-        </p:blipFill>
-        <p:spPr>
-          <a:xfrm>
-            <a:off x="3002318" y="2850016"/>
-            <a:ext cx="897877" cy="881250"/>
-          </a:xfrm>
-          <a:prstGeom prst="rect">
-            <a:avLst/>
-          </a:prstGeom>
-        </p:spPr>
-      </p:pic>
     </p:spTree>
     <p:extLst>
       <p:ext uri="{BB962C8B-B14F-4D97-AF65-F5344CB8AC3E}">
@@ -12752,7 +12748,7 @@
           <a:p>
             <a:r>
               <a:rPr lang="en-US" dirty="0"/>
-              <a:t>Thought bubble stays on screen</a:t>
+              <a:t>Populated the Graveyard scene</a:t>
             </a:r>
           </a:p>
           <a:p>
@@ -12858,7 +12854,7 @@
             <a:pPr lvl="1"/>
             <a:r>
               <a:rPr lang="en-US" dirty="0"/>
-              <a:t>Lich now emits pulsing green glow</a:t>
+              <a:t>Cover Art and Main Menu</a:t>
             </a:r>
           </a:p>
           <a:p>
@@ -12873,14 +12869,38 @@
             </a:pPr>
             <a:endParaRPr lang="en-US" dirty="0"/>
           </a:p>
-          <a:p>
-            <a:pPr marL="457200" lvl="1" indent="0">
-              <a:buNone/>
-            </a:pPr>
-            <a:endParaRPr lang="en-US" dirty="0"/>
-          </a:p>
         </p:txBody>
       </p:sp>
+      <p:pic>
+        <p:nvPicPr>
+          <p:cNvPr id="5" name="Picture 4">
+            <a:extLst>
+              <a:ext uri="{FF2B5EF4-FFF2-40B4-BE49-F238E27FC236}">
+                <a16:creationId xmlns:a16="http://schemas.microsoft.com/office/drawing/2014/main" id="{9C7B0301-A9EA-3B66-FDCD-A02FA6859835}"/>
+              </a:ext>
+            </a:extLst>
+          </p:cNvPr>
+          <p:cNvPicPr>
+            <a:picLocks noChangeAspect="1"/>
+          </p:cNvPicPr>
+          <p:nvPr/>
+        </p:nvPicPr>
+        <p:blipFill>
+          <a:blip r:embed="rId2"/>
+          <a:stretch>
+            <a:fillRect/>
+          </a:stretch>
+        </p:blipFill>
+        <p:spPr>
+          <a:xfrm>
+            <a:off x="2871018" y="2700232"/>
+            <a:ext cx="6854759" cy="3747268"/>
+          </a:xfrm>
+          <a:prstGeom prst="rect">
+            <a:avLst/>
+          </a:prstGeom>
+        </p:spPr>
+      </p:pic>
     </p:spTree>
     <p:extLst>
       <p:ext uri="{BB962C8B-B14F-4D97-AF65-F5344CB8AC3E}">
